--- a/BUS212_ADA/lecture_note/Lecture18.pptx
+++ b/BUS212_ADA/lecture_note/Lecture18.pptx
@@ -7401,7 +7401,7 @@
           <a:p>
             <a:fld id="{6C062D5C-E428-DA43-AA54-C279CF805B17}" type="datetimeFigureOut">
               <a:rPr lang="en-US" smtClean="0"/>
-              <a:t>3/20/23</a:t>
+              <a:t>3/29/23</a:t>
             </a:fld>
             <a:endParaRPr lang="en-US"/>
           </a:p>
@@ -7817,7 +7817,7 @@
             <a:fld id="{3F9AFA87-1417-4992-ABD9-27C3BC8CC883}" type="datetimeFigureOut">
               <a:rPr lang="en-US" smtClean="0"/>
               <a:pPr algn="r"/>
-              <a:t>3/20/23</a:t>
+              <a:t>3/29/23</a:t>
             </a:fld>
             <a:endParaRPr lang="en-US" dirty="0"/>
           </a:p>
@@ -8016,7 +8016,7 @@
           <a:p>
             <a:fld id="{3F9AFA87-1417-4992-ABD9-27C3BC8CC883}" type="datetimeFigureOut">
               <a:rPr lang="en-US" smtClean="0"/>
-              <a:t>3/20/23</a:t>
+              <a:t>3/29/23</a:t>
             </a:fld>
             <a:endParaRPr lang="en-US"/>
           </a:p>
@@ -8224,7 +8224,7 @@
           <a:p>
             <a:fld id="{3F9AFA87-1417-4992-ABD9-27C3BC8CC883}" type="datetimeFigureOut">
               <a:rPr lang="en-US" smtClean="0"/>
-              <a:t>3/20/23</a:t>
+              <a:t>3/29/23</a:t>
             </a:fld>
             <a:endParaRPr lang="en-US"/>
           </a:p>
@@ -8422,7 +8422,7 @@
           <a:p>
             <a:fld id="{3F9AFA87-1417-4992-ABD9-27C3BC8CC883}" type="datetimeFigureOut">
               <a:rPr lang="en-US" smtClean="0"/>
-              <a:t>3/20/23</a:t>
+              <a:t>3/29/23</a:t>
             </a:fld>
             <a:endParaRPr lang="en-US"/>
           </a:p>
@@ -8697,7 +8697,7 @@
           <a:p>
             <a:fld id="{3F9AFA87-1417-4992-ABD9-27C3BC8CC883}" type="datetimeFigureOut">
               <a:rPr lang="en-US" smtClean="0"/>
-              <a:t>3/20/23</a:t>
+              <a:t>3/29/23</a:t>
             </a:fld>
             <a:endParaRPr lang="en-US"/>
           </a:p>
@@ -8962,7 +8962,7 @@
           <a:p>
             <a:fld id="{3F9AFA87-1417-4992-ABD9-27C3BC8CC883}" type="datetimeFigureOut">
               <a:rPr lang="en-US" smtClean="0"/>
-              <a:t>3/20/23</a:t>
+              <a:t>3/29/23</a:t>
             </a:fld>
             <a:endParaRPr lang="en-US" dirty="0"/>
           </a:p>
@@ -9376,7 +9376,7 @@
             <a:fld id="{3F9AFA87-1417-4992-ABD9-27C3BC8CC883}" type="datetimeFigureOut">
               <a:rPr lang="en-US" smtClean="0"/>
               <a:pPr algn="r"/>
-              <a:t>3/20/23</a:t>
+              <a:t>3/29/23</a:t>
             </a:fld>
             <a:endParaRPr lang="en-US" dirty="0"/>
           </a:p>
@@ -9518,7 +9518,7 @@
           <a:p>
             <a:fld id="{3F9AFA87-1417-4992-ABD9-27C3BC8CC883}" type="datetimeFigureOut">
               <a:rPr lang="en-US" smtClean="0"/>
-              <a:t>3/20/23</a:t>
+              <a:t>3/29/23</a:t>
             </a:fld>
             <a:endParaRPr lang="en-US"/>
           </a:p>
@@ -9631,7 +9631,7 @@
           <a:p>
             <a:fld id="{3F9AFA87-1417-4992-ABD9-27C3BC8CC883}" type="datetimeFigureOut">
               <a:rPr lang="en-US" smtClean="0"/>
-              <a:t>3/20/23</a:t>
+              <a:t>3/29/23</a:t>
             </a:fld>
             <a:endParaRPr lang="en-US"/>
           </a:p>
@@ -9942,7 +9942,7 @@
           <a:p>
             <a:fld id="{3F9AFA87-1417-4992-ABD9-27C3BC8CC883}" type="datetimeFigureOut">
               <a:rPr lang="en-US" smtClean="0"/>
-              <a:t>3/20/23</a:t>
+              <a:t>3/29/23</a:t>
             </a:fld>
             <a:endParaRPr lang="en-US"/>
           </a:p>
@@ -10230,7 +10230,7 @@
           <a:p>
             <a:fld id="{3F9AFA87-1417-4992-ABD9-27C3BC8CC883}" type="datetimeFigureOut">
               <a:rPr lang="en-US" smtClean="0"/>
-              <a:t>3/20/23</a:t>
+              <a:t>3/29/23</a:t>
             </a:fld>
             <a:endParaRPr lang="en-US"/>
           </a:p>
@@ -10473,7 +10473,7 @@
             <a:fld id="{3F9AFA87-1417-4992-ABD9-27C3BC8CC883}" type="datetimeFigureOut">
               <a:rPr lang="en-US" smtClean="0"/>
               <a:pPr algn="r"/>
-              <a:t>3/20/23</a:t>
+              <a:t>3/29/23</a:t>
             </a:fld>
             <a:endParaRPr lang="en-US" dirty="0"/>
           </a:p>
@@ -11810,6 +11810,183 @@
   <p:clrMapOvr>
     <a:masterClrMapping/>
   </p:clrMapOvr>
+  <p:timing>
+    <p:tnLst>
+      <p:par>
+        <p:cTn id="1" dur="indefinite" restart="never" nodeType="tmRoot">
+          <p:childTnLst>
+            <p:seq concurrent="1" nextAc="seek">
+              <p:cTn id="2" dur="indefinite" nodeType="mainSeq">
+                <p:childTnLst>
+                  <p:par>
+                    <p:cTn id="3" fill="hold">
+                      <p:stCondLst>
+                        <p:cond delay="indefinite"/>
+                      </p:stCondLst>
+                      <p:childTnLst>
+                        <p:par>
+                          <p:cTn id="4" fill="hold">
+                            <p:stCondLst>
+                              <p:cond delay="0"/>
+                            </p:stCondLst>
+                            <p:childTnLst>
+                              <p:par>
+                                <p:cTn id="5" presetID="1" presetClass="entr" presetSubtype="0" fill="hold" nodeType="clickEffect">
+                                  <p:stCondLst>
+                                    <p:cond delay="0"/>
+                                  </p:stCondLst>
+                                  <p:childTnLst>
+                                    <p:set>
+                                      <p:cBhvr>
+                                        <p:cTn id="6" dur="1" fill="hold">
+                                          <p:stCondLst>
+                                            <p:cond delay="0"/>
+                                          </p:stCondLst>
+                                        </p:cTn>
+                                        <p:tgtEl>
+                                          <p:spTgt spid="3">
+                                            <p:txEl>
+                                              <p:pRg st="3" end="3"/>
+                                            </p:txEl>
+                                          </p:spTgt>
+                                        </p:tgtEl>
+                                        <p:attrNameLst>
+                                          <p:attrName>style.visibility</p:attrName>
+                                        </p:attrNameLst>
+                                      </p:cBhvr>
+                                      <p:to>
+                                        <p:strVal val="visible"/>
+                                      </p:to>
+                                    </p:set>
+                                  </p:childTnLst>
+                                </p:cTn>
+                              </p:par>
+                            </p:childTnLst>
+                          </p:cTn>
+                        </p:par>
+                      </p:childTnLst>
+                    </p:cTn>
+                  </p:par>
+                  <p:par>
+                    <p:cTn id="7" fill="hold">
+                      <p:stCondLst>
+                        <p:cond delay="indefinite"/>
+                      </p:stCondLst>
+                      <p:childTnLst>
+                        <p:par>
+                          <p:cTn id="8" fill="hold">
+                            <p:stCondLst>
+                              <p:cond delay="0"/>
+                            </p:stCondLst>
+                            <p:childTnLst>
+                              <p:par>
+                                <p:cTn id="9" presetID="1" presetClass="entr" presetSubtype="0" fill="hold" nodeType="clickEffect">
+                                  <p:stCondLst>
+                                    <p:cond delay="0"/>
+                                  </p:stCondLst>
+                                  <p:childTnLst>
+                                    <p:set>
+                                      <p:cBhvr>
+                                        <p:cTn id="10" dur="1" fill="hold">
+                                          <p:stCondLst>
+                                            <p:cond delay="0"/>
+                                          </p:stCondLst>
+                                        </p:cTn>
+                                        <p:tgtEl>
+                                          <p:spTgt spid="3">
+                                            <p:txEl>
+                                              <p:pRg st="4" end="4"/>
+                                            </p:txEl>
+                                          </p:spTgt>
+                                        </p:tgtEl>
+                                        <p:attrNameLst>
+                                          <p:attrName>style.visibility</p:attrName>
+                                        </p:attrNameLst>
+                                      </p:cBhvr>
+                                      <p:to>
+                                        <p:strVal val="visible"/>
+                                      </p:to>
+                                    </p:set>
+                                  </p:childTnLst>
+                                </p:cTn>
+                              </p:par>
+                            </p:childTnLst>
+                          </p:cTn>
+                        </p:par>
+                      </p:childTnLst>
+                    </p:cTn>
+                  </p:par>
+                  <p:par>
+                    <p:cTn id="11" fill="hold">
+                      <p:stCondLst>
+                        <p:cond delay="indefinite"/>
+                      </p:stCondLst>
+                      <p:childTnLst>
+                        <p:par>
+                          <p:cTn id="12" fill="hold">
+                            <p:stCondLst>
+                              <p:cond delay="0"/>
+                            </p:stCondLst>
+                            <p:childTnLst>
+                              <p:par>
+                                <p:cTn id="13" presetID="1" presetClass="entr" presetSubtype="0" fill="hold" nodeType="clickEffect">
+                                  <p:stCondLst>
+                                    <p:cond delay="0"/>
+                                  </p:stCondLst>
+                                  <p:childTnLst>
+                                    <p:set>
+                                      <p:cBhvr>
+                                        <p:cTn id="14" dur="1" fill="hold">
+                                          <p:stCondLst>
+                                            <p:cond delay="0"/>
+                                          </p:stCondLst>
+                                        </p:cTn>
+                                        <p:tgtEl>
+                                          <p:spTgt spid="3">
+                                            <p:txEl>
+                                              <p:pRg st="5" end="5"/>
+                                            </p:txEl>
+                                          </p:spTgt>
+                                        </p:tgtEl>
+                                        <p:attrNameLst>
+                                          <p:attrName>style.visibility</p:attrName>
+                                        </p:attrNameLst>
+                                      </p:cBhvr>
+                                      <p:to>
+                                        <p:strVal val="visible"/>
+                                      </p:to>
+                                    </p:set>
+                                  </p:childTnLst>
+                                </p:cTn>
+                              </p:par>
+                            </p:childTnLst>
+                          </p:cTn>
+                        </p:par>
+                      </p:childTnLst>
+                    </p:cTn>
+                  </p:par>
+                </p:childTnLst>
+              </p:cTn>
+              <p:prevCondLst>
+                <p:cond evt="onPrev" delay="0">
+                  <p:tgtEl>
+                    <p:sldTgt/>
+                  </p:tgtEl>
+                </p:cond>
+              </p:prevCondLst>
+              <p:nextCondLst>
+                <p:cond evt="onNext" delay="0">
+                  <p:tgtEl>
+                    <p:sldTgt/>
+                  </p:tgtEl>
+                </p:cond>
+              </p:nextCondLst>
+            </p:seq>
+          </p:childTnLst>
+        </p:cTn>
+      </p:par>
+    </p:tnLst>
+  </p:timing>
 </p:sld>
 </file>
 
@@ -12968,35 +13145,26 @@
                                   </p:childTnLst>
                                 </p:cTn>
                               </p:par>
+                            </p:childTnLst>
+                          </p:cTn>
+                        </p:par>
+                      </p:childTnLst>
+                    </p:cTn>
+                  </p:par>
+                  <p:par>
+                    <p:cTn id="7" fill="hold">
+                      <p:stCondLst>
+                        <p:cond delay="indefinite"/>
+                      </p:stCondLst>
+                      <p:childTnLst>
+                        <p:par>
+                          <p:cTn id="8" fill="hold">
+                            <p:stCondLst>
+                              <p:cond delay="0"/>
+                            </p:stCondLst>
+                            <p:childTnLst>
                               <p:par>
-                                <p:cTn id="7" presetID="1" presetClass="entr" presetSubtype="0" fill="hold" grpId="0" nodeType="withEffect">
-                                  <p:stCondLst>
-                                    <p:cond delay="0"/>
-                                  </p:stCondLst>
-                                  <p:childTnLst>
-                                    <p:set>
-                                      <p:cBhvr>
-                                        <p:cTn id="8" dur="1" fill="hold">
-                                          <p:stCondLst>
-                                            <p:cond delay="0"/>
-                                          </p:stCondLst>
-                                        </p:cTn>
-                                        <p:tgtEl>
-                                          <p:spTgt spid="5"/>
-                                        </p:tgtEl>
-                                        <p:attrNameLst>
-                                          <p:attrName>style.visibility</p:attrName>
-                                        </p:attrNameLst>
-                                      </p:cBhvr>
-                                      <p:to>
-                                        <p:strVal val="visible"/>
-                                      </p:to>
-                                    </p:set>
-                                  </p:childTnLst>
-                                </p:cTn>
-                              </p:par>
-                              <p:par>
-                                <p:cTn id="9" presetID="1" presetClass="entr" presetSubtype="0" fill="hold" nodeType="withEffect">
+                                <p:cTn id="9" presetID="1" presetClass="entr" presetSubtype="0" fill="hold" nodeType="clickEffect">
                                   <p:stCondLst>
                                     <p:cond delay="0"/>
                                   </p:stCondLst>
@@ -13023,7 +13191,7 @@
                                 </p:cTn>
                               </p:par>
                               <p:par>
-                                <p:cTn id="11" presetID="1" presetClass="entr" presetSubtype="0" fill="hold" nodeType="withEffect">
+                                <p:cTn id="11" presetID="1" presetClass="entr" presetSubtype="0" fill="hold" grpId="0" nodeType="withEffect">
                                   <p:stCondLst>
                                     <p:cond delay="0"/>
                                   </p:stCondLst>
@@ -13031,6 +13199,51 @@
                                     <p:set>
                                       <p:cBhvr>
                                         <p:cTn id="12" dur="1" fill="hold">
+                                          <p:stCondLst>
+                                            <p:cond delay="0"/>
+                                          </p:stCondLst>
+                                        </p:cTn>
+                                        <p:tgtEl>
+                                          <p:spTgt spid="5"/>
+                                        </p:tgtEl>
+                                        <p:attrNameLst>
+                                          <p:attrName>style.visibility</p:attrName>
+                                        </p:attrNameLst>
+                                      </p:cBhvr>
+                                      <p:to>
+                                        <p:strVal val="visible"/>
+                                      </p:to>
+                                    </p:set>
+                                  </p:childTnLst>
+                                </p:cTn>
+                              </p:par>
+                            </p:childTnLst>
+                          </p:cTn>
+                        </p:par>
+                      </p:childTnLst>
+                    </p:cTn>
+                  </p:par>
+                  <p:par>
+                    <p:cTn id="13" fill="hold">
+                      <p:stCondLst>
+                        <p:cond delay="indefinite"/>
+                      </p:stCondLst>
+                      <p:childTnLst>
+                        <p:par>
+                          <p:cTn id="14" fill="hold">
+                            <p:stCondLst>
+                              <p:cond delay="0"/>
+                            </p:stCondLst>
+                            <p:childTnLst>
+                              <p:par>
+                                <p:cTn id="15" presetID="1" presetClass="entr" presetSubtype="0" fill="hold" nodeType="clickEffect">
+                                  <p:stCondLst>
+                                    <p:cond delay="0"/>
+                                  </p:stCondLst>
+                                  <p:childTnLst>
+                                    <p:set>
+                                      <p:cBhvr>
+                                        <p:cTn id="16" dur="1" fill="hold">
                                           <p:stCondLst>
                                             <p:cond delay="0"/>
                                           </p:stCondLst>
@@ -13050,14 +13263,14 @@
                                 </p:cTn>
                               </p:par>
                               <p:par>
-                                <p:cTn id="13" presetID="1" presetClass="entr" presetSubtype="0" fill="hold" grpId="0" nodeType="withEffect">
+                                <p:cTn id="17" presetID="1" presetClass="entr" presetSubtype="0" fill="hold" grpId="0" nodeType="withEffect">
                                   <p:stCondLst>
                                     <p:cond delay="0"/>
                                   </p:stCondLst>
                                   <p:childTnLst>
                                     <p:set>
                                       <p:cBhvr>
-                                        <p:cTn id="14" dur="1" fill="hold">
+                                        <p:cTn id="18" dur="1" fill="hold">
                                           <p:stCondLst>
                                             <p:cond delay="0"/>
                                           </p:stCondLst>
@@ -13083,26 +13296,26 @@
                     </p:cTn>
                   </p:par>
                   <p:par>
-                    <p:cTn id="15" fill="hold">
+                    <p:cTn id="19" fill="hold">
                       <p:stCondLst>
                         <p:cond delay="indefinite"/>
                       </p:stCondLst>
                       <p:childTnLst>
                         <p:par>
-                          <p:cTn id="16" fill="hold">
+                          <p:cTn id="20" fill="hold">
                             <p:stCondLst>
                               <p:cond delay="0"/>
                             </p:stCondLst>
                             <p:childTnLst>
                               <p:par>
-                                <p:cTn id="17" presetID="1" presetClass="entr" presetSubtype="0" fill="hold" grpId="0" nodeType="clickEffect">
+                                <p:cTn id="21" presetID="1" presetClass="entr" presetSubtype="0" fill="hold" grpId="0" nodeType="clickEffect">
                                   <p:stCondLst>
                                     <p:cond delay="0"/>
                                   </p:stCondLst>
                                   <p:childTnLst>
                                     <p:set>
                                       <p:cBhvr>
-                                        <p:cTn id="18" dur="1" fill="hold">
+                                        <p:cTn id="22" dur="1" fill="hold">
                                           <p:stCondLst>
                                             <p:cond delay="0"/>
                                           </p:stCondLst>
@@ -13121,42 +13334,33 @@
                                   </p:childTnLst>
                                 </p:cTn>
                               </p:par>
+                            </p:childTnLst>
+                          </p:cTn>
+                        </p:par>
+                      </p:childTnLst>
+                    </p:cTn>
+                  </p:par>
+                  <p:par>
+                    <p:cTn id="23" fill="hold">
+                      <p:stCondLst>
+                        <p:cond delay="indefinite"/>
+                      </p:stCondLst>
+                      <p:childTnLst>
+                        <p:par>
+                          <p:cTn id="24" fill="hold">
+                            <p:stCondLst>
+                              <p:cond delay="0"/>
+                            </p:stCondLst>
+                            <p:childTnLst>
                               <p:par>
-                                <p:cTn id="19" presetID="1" presetClass="entr" presetSubtype="0" fill="hold" grpId="0" nodeType="withEffect">
+                                <p:cTn id="25" presetID="1" presetClass="entr" presetSubtype="0" fill="hold" nodeType="clickEffect">
                                   <p:stCondLst>
                                     <p:cond delay="0"/>
                                   </p:stCondLst>
                                   <p:childTnLst>
                                     <p:set>
                                       <p:cBhvr>
-                                        <p:cTn id="20" dur="1" fill="hold">
-                                          <p:stCondLst>
-                                            <p:cond delay="0"/>
-                                          </p:stCondLst>
-                                        </p:cTn>
-                                        <p:tgtEl>
-                                          <p:spTgt spid="20"/>
-                                        </p:tgtEl>
-                                        <p:attrNameLst>
-                                          <p:attrName>style.visibility</p:attrName>
-                                        </p:attrNameLst>
-                                      </p:cBhvr>
-                                      <p:to>
-                                        <p:strVal val="visible"/>
-                                      </p:to>
-                                    </p:set>
-                                  </p:childTnLst>
-                                </p:cTn>
-                              </p:par>
-                              <p:par>
-                                <p:cTn id="21" presetID="1" presetClass="entr" presetSubtype="0" fill="hold" nodeType="withEffect">
-                                  <p:stCondLst>
-                                    <p:cond delay="0"/>
-                                  </p:stCondLst>
-                                  <p:childTnLst>
-                                    <p:set>
-                                      <p:cBhvr>
-                                        <p:cTn id="22" dur="1" fill="hold">
+                                        <p:cTn id="26" dur="1" fill="hold">
                                           <p:stCondLst>
                                             <p:cond delay="0"/>
                                           </p:stCondLst>
@@ -13176,14 +13380,59 @@
                                 </p:cTn>
                               </p:par>
                               <p:par>
-                                <p:cTn id="23" presetID="1" presetClass="entr" presetSubtype="0" fill="hold" nodeType="withEffect">
+                                <p:cTn id="27" presetID="1" presetClass="entr" presetSubtype="0" fill="hold" grpId="0" nodeType="withEffect">
                                   <p:stCondLst>
                                     <p:cond delay="0"/>
                                   </p:stCondLst>
                                   <p:childTnLst>
                                     <p:set>
                                       <p:cBhvr>
-                                        <p:cTn id="24" dur="1" fill="hold">
+                                        <p:cTn id="28" dur="1" fill="hold">
+                                          <p:stCondLst>
+                                            <p:cond delay="0"/>
+                                          </p:stCondLst>
+                                        </p:cTn>
+                                        <p:tgtEl>
+                                          <p:spTgt spid="20"/>
+                                        </p:tgtEl>
+                                        <p:attrNameLst>
+                                          <p:attrName>style.visibility</p:attrName>
+                                        </p:attrNameLst>
+                                      </p:cBhvr>
+                                      <p:to>
+                                        <p:strVal val="visible"/>
+                                      </p:to>
+                                    </p:set>
+                                  </p:childTnLst>
+                                </p:cTn>
+                              </p:par>
+                            </p:childTnLst>
+                          </p:cTn>
+                        </p:par>
+                      </p:childTnLst>
+                    </p:cTn>
+                  </p:par>
+                  <p:par>
+                    <p:cTn id="29" fill="hold">
+                      <p:stCondLst>
+                        <p:cond delay="indefinite"/>
+                      </p:stCondLst>
+                      <p:childTnLst>
+                        <p:par>
+                          <p:cTn id="30" fill="hold">
+                            <p:stCondLst>
+                              <p:cond delay="0"/>
+                            </p:stCondLst>
+                            <p:childTnLst>
+                              <p:par>
+                                <p:cTn id="31" presetID="1" presetClass="entr" presetSubtype="0" fill="hold" nodeType="clickEffect">
+                                  <p:stCondLst>
+                                    <p:cond delay="0"/>
+                                  </p:stCondLst>
+                                  <p:childTnLst>
+                                    <p:set>
+                                      <p:cBhvr>
+                                        <p:cTn id="32" dur="1" fill="hold">
                                           <p:stCondLst>
                                             <p:cond delay="0"/>
                                           </p:stCondLst>
@@ -13203,14 +13452,14 @@
                                 </p:cTn>
                               </p:par>
                               <p:par>
-                                <p:cTn id="25" presetID="1" presetClass="entr" presetSubtype="0" fill="hold" grpId="0" nodeType="withEffect">
+                                <p:cTn id="33" presetID="1" presetClass="entr" presetSubtype="0" fill="hold" grpId="0" nodeType="withEffect">
                                   <p:stCondLst>
                                     <p:cond delay="0"/>
                                   </p:stCondLst>
                                   <p:childTnLst>
                                     <p:set>
                                       <p:cBhvr>
-                                        <p:cTn id="26" dur="1" fill="hold">
+                                        <p:cTn id="34" dur="1" fill="hold">
                                           <p:stCondLst>
                                             <p:cond delay="0"/>
                                           </p:stCondLst>
@@ -17543,8 +17792,8 @@
           </a:p>
         </p:txBody>
       </p:sp>
-      <mc:AlternateContent xmlns:mc="http://schemas.openxmlformats.org/markup-compatibility/2006">
-        <mc:Choice xmlns:a14="http://schemas.microsoft.com/office/drawing/2010/main" Requires="a14">
+      <mc:AlternateContent xmlns:mc="http://schemas.openxmlformats.org/markup-compatibility/2006" xmlns:a14="http://schemas.microsoft.com/office/drawing/2010/main">
+        <mc:Choice Requires="a14">
           <p:sp>
             <p:nvSpPr>
               <p:cNvPr id="2" name="TextBox 1">
@@ -17618,13 +17867,7 @@
                               <a:rPr lang="en-US" sz="2800" b="0" i="1" smtClean="0">
                                 <a:latin typeface="Cambria Math" panose="02040503050406030204" pitchFamily="18" charset="0"/>
                               </a:rPr>
-                              <m:t>. </m:t>
-                            </m:r>
-                            <m:r>
-                              <a:rPr lang="en-US" sz="2800" b="0" i="1" smtClean="0">
-                                <a:latin typeface="Cambria Math" panose="02040503050406030204" pitchFamily="18" charset="0"/>
-                              </a:rPr>
-                              <m:t>“</m:t>
+                              <m:t>. “</m:t>
                             </m:r>
                             <m:r>
                               <a:rPr lang="en-US" sz="2800" b="0" i="1" smtClean="0">
@@ -17884,7 +18127,7 @@
             </p:txBody>
           </p:sp>
         </mc:Choice>
-        <mc:Fallback>
+        <mc:Fallback xmlns="">
           <p:sp>
             <p:nvSpPr>
               <p:cNvPr id="2" name="TextBox 1">
@@ -17929,8 +18172,8 @@
           </p:sp>
         </mc:Fallback>
       </mc:AlternateContent>
-      <mc:AlternateContent xmlns:mc="http://schemas.openxmlformats.org/markup-compatibility/2006">
-        <mc:Choice xmlns:a14="http://schemas.microsoft.com/office/drawing/2010/main" Requires="a14">
+      <mc:AlternateContent xmlns:mc="http://schemas.openxmlformats.org/markup-compatibility/2006" xmlns:a14="http://schemas.microsoft.com/office/drawing/2010/main">
+        <mc:Choice Requires="a14">
           <p:sp>
             <p:nvSpPr>
               <p:cNvPr id="4" name="TextBox 3">
@@ -18123,7 +18366,7 @@
             </p:txBody>
           </p:sp>
         </mc:Choice>
-        <mc:Fallback>
+        <mc:Fallback xmlns="">
           <p:sp>
             <p:nvSpPr>
               <p:cNvPr id="4" name="TextBox 3">
@@ -18875,8 +19118,8 @@
           </a:p>
         </p:txBody>
       </p:sp>
-      <mc:AlternateContent xmlns:mc="http://schemas.openxmlformats.org/markup-compatibility/2006">
-        <mc:Choice xmlns:a14="http://schemas.microsoft.com/office/drawing/2010/main" Requires="a14">
+      <mc:AlternateContent xmlns:mc="http://schemas.openxmlformats.org/markup-compatibility/2006" xmlns:a14="http://schemas.microsoft.com/office/drawing/2010/main">
+        <mc:Choice Requires="a14">
           <p:sp>
             <p:nvSpPr>
               <p:cNvPr id="13" name="TextBox 12">
@@ -19002,7 +19245,7 @@
             </p:txBody>
           </p:sp>
         </mc:Choice>
-        <mc:Fallback>
+        <mc:Fallback xmlns="">
           <p:sp>
             <p:nvSpPr>
               <p:cNvPr id="13" name="TextBox 12">
@@ -20242,8 +20485,8 @@
           </a:p>
         </p:txBody>
       </p:sp>
-      <mc:AlternateContent xmlns:mc="http://schemas.openxmlformats.org/markup-compatibility/2006">
-        <mc:Choice xmlns:a14="http://schemas.microsoft.com/office/drawing/2010/main" Requires="a14">
+      <mc:AlternateContent xmlns:mc="http://schemas.openxmlformats.org/markup-compatibility/2006" xmlns:a14="http://schemas.microsoft.com/office/drawing/2010/main">
+        <mc:Choice Requires="a14">
           <p:sp>
             <p:nvSpPr>
               <p:cNvPr id="14" name="TextBox 13">
@@ -20428,7 +20671,7 @@
             </p:txBody>
           </p:sp>
         </mc:Choice>
-        <mc:Fallback>
+        <mc:Fallback xmlns="">
           <p:sp>
             <p:nvSpPr>
               <p:cNvPr id="14" name="TextBox 13">
@@ -20473,8 +20716,8 @@
           </p:sp>
         </mc:Fallback>
       </mc:AlternateContent>
-      <mc:AlternateContent xmlns:mc="http://schemas.openxmlformats.org/markup-compatibility/2006">
-        <mc:Choice xmlns:a14="http://schemas.microsoft.com/office/drawing/2010/main" Requires="a14">
+      <mc:AlternateContent xmlns:mc="http://schemas.openxmlformats.org/markup-compatibility/2006" xmlns:a14="http://schemas.microsoft.com/office/drawing/2010/main">
+        <mc:Choice Requires="a14">
           <p:sp>
             <p:nvSpPr>
               <p:cNvPr id="15" name="TextBox 14">
@@ -20659,7 +20902,7 @@
             </p:txBody>
           </p:sp>
         </mc:Choice>
-        <mc:Fallback>
+        <mc:Fallback xmlns="">
           <p:sp>
             <p:nvSpPr>
               <p:cNvPr id="15" name="TextBox 14">
@@ -21826,8 +22069,8 @@
           </a:p>
         </p:txBody>
       </p:sp>
-      <mc:AlternateContent xmlns:mc="http://schemas.openxmlformats.org/markup-compatibility/2006">
-        <mc:Choice xmlns:a14="http://schemas.microsoft.com/office/drawing/2010/main" Requires="a14">
+      <mc:AlternateContent xmlns:mc="http://schemas.openxmlformats.org/markup-compatibility/2006" xmlns:a14="http://schemas.microsoft.com/office/drawing/2010/main">
+        <mc:Choice Requires="a14">
           <p:sp>
             <p:nvSpPr>
               <p:cNvPr id="14" name="TextBox 13">
@@ -21953,7 +22196,7 @@
             </p:txBody>
           </p:sp>
         </mc:Choice>
-        <mc:Fallback>
+        <mc:Fallback xmlns="">
           <p:sp>
             <p:nvSpPr>
               <p:cNvPr id="14" name="TextBox 13">
@@ -24069,6 +24312,361 @@
   <p:clrMapOvr>
     <a:masterClrMapping/>
   </p:clrMapOvr>
+  <p:timing>
+    <p:tnLst>
+      <p:par>
+        <p:cTn id="1" dur="indefinite" restart="never" nodeType="tmRoot">
+          <p:childTnLst>
+            <p:seq concurrent="1" nextAc="seek">
+              <p:cTn id="2" dur="indefinite" nodeType="mainSeq">
+                <p:childTnLst>
+                  <p:par>
+                    <p:cTn id="3" fill="hold">
+                      <p:stCondLst>
+                        <p:cond delay="indefinite"/>
+                      </p:stCondLst>
+                      <p:childTnLst>
+                        <p:par>
+                          <p:cTn id="4" fill="hold">
+                            <p:stCondLst>
+                              <p:cond delay="0"/>
+                            </p:stCondLst>
+                            <p:childTnLst>
+                              <p:par>
+                                <p:cTn id="5" presetID="1" presetClass="entr" presetSubtype="0" fill="hold" nodeType="clickEffect">
+                                  <p:stCondLst>
+                                    <p:cond delay="0"/>
+                                  </p:stCondLst>
+                                  <p:childTnLst>
+                                    <p:set>
+                                      <p:cBhvr>
+                                        <p:cTn id="6" dur="1" fill="hold">
+                                          <p:stCondLst>
+                                            <p:cond delay="0"/>
+                                          </p:stCondLst>
+                                        </p:cTn>
+                                        <p:tgtEl>
+                                          <p:spTgt spid="3">
+                                            <p:txEl>
+                                              <p:pRg st="0" end="0"/>
+                                            </p:txEl>
+                                          </p:spTgt>
+                                        </p:tgtEl>
+                                        <p:attrNameLst>
+                                          <p:attrName>style.visibility</p:attrName>
+                                        </p:attrNameLst>
+                                      </p:cBhvr>
+                                      <p:to>
+                                        <p:strVal val="visible"/>
+                                      </p:to>
+                                    </p:set>
+                                  </p:childTnLst>
+                                </p:cTn>
+                              </p:par>
+                            </p:childTnLst>
+                          </p:cTn>
+                        </p:par>
+                      </p:childTnLst>
+                    </p:cTn>
+                  </p:par>
+                  <p:par>
+                    <p:cTn id="7" fill="hold">
+                      <p:stCondLst>
+                        <p:cond delay="indefinite"/>
+                      </p:stCondLst>
+                      <p:childTnLst>
+                        <p:par>
+                          <p:cTn id="8" fill="hold">
+                            <p:stCondLst>
+                              <p:cond delay="0"/>
+                            </p:stCondLst>
+                            <p:childTnLst>
+                              <p:par>
+                                <p:cTn id="9" presetID="1" presetClass="entr" presetSubtype="0" fill="hold" nodeType="clickEffect">
+                                  <p:stCondLst>
+                                    <p:cond delay="0"/>
+                                  </p:stCondLst>
+                                  <p:childTnLst>
+                                    <p:set>
+                                      <p:cBhvr>
+                                        <p:cTn id="10" dur="1" fill="hold">
+                                          <p:stCondLst>
+                                            <p:cond delay="0"/>
+                                          </p:stCondLst>
+                                        </p:cTn>
+                                        <p:tgtEl>
+                                          <p:spTgt spid="3">
+                                            <p:txEl>
+                                              <p:pRg st="1" end="1"/>
+                                            </p:txEl>
+                                          </p:spTgt>
+                                        </p:tgtEl>
+                                        <p:attrNameLst>
+                                          <p:attrName>style.visibility</p:attrName>
+                                        </p:attrNameLst>
+                                      </p:cBhvr>
+                                      <p:to>
+                                        <p:strVal val="visible"/>
+                                      </p:to>
+                                    </p:set>
+                                  </p:childTnLst>
+                                </p:cTn>
+                              </p:par>
+                            </p:childTnLst>
+                          </p:cTn>
+                        </p:par>
+                      </p:childTnLst>
+                    </p:cTn>
+                  </p:par>
+                  <p:par>
+                    <p:cTn id="11" fill="hold">
+                      <p:stCondLst>
+                        <p:cond delay="indefinite"/>
+                      </p:stCondLst>
+                      <p:childTnLst>
+                        <p:par>
+                          <p:cTn id="12" fill="hold">
+                            <p:stCondLst>
+                              <p:cond delay="0"/>
+                            </p:stCondLst>
+                            <p:childTnLst>
+                              <p:par>
+                                <p:cTn id="13" presetID="1" presetClass="entr" presetSubtype="0" fill="hold" nodeType="clickEffect">
+                                  <p:stCondLst>
+                                    <p:cond delay="0"/>
+                                  </p:stCondLst>
+                                  <p:childTnLst>
+                                    <p:set>
+                                      <p:cBhvr>
+                                        <p:cTn id="14" dur="1" fill="hold">
+                                          <p:stCondLst>
+                                            <p:cond delay="0"/>
+                                          </p:stCondLst>
+                                        </p:cTn>
+                                        <p:tgtEl>
+                                          <p:spTgt spid="3">
+                                            <p:txEl>
+                                              <p:pRg st="2" end="2"/>
+                                            </p:txEl>
+                                          </p:spTgt>
+                                        </p:tgtEl>
+                                        <p:attrNameLst>
+                                          <p:attrName>style.visibility</p:attrName>
+                                        </p:attrNameLst>
+                                      </p:cBhvr>
+                                      <p:to>
+                                        <p:strVal val="visible"/>
+                                      </p:to>
+                                    </p:set>
+                                  </p:childTnLst>
+                                </p:cTn>
+                              </p:par>
+                            </p:childTnLst>
+                          </p:cTn>
+                        </p:par>
+                      </p:childTnLst>
+                    </p:cTn>
+                  </p:par>
+                  <p:par>
+                    <p:cTn id="15" fill="hold">
+                      <p:stCondLst>
+                        <p:cond delay="indefinite"/>
+                      </p:stCondLst>
+                      <p:childTnLst>
+                        <p:par>
+                          <p:cTn id="16" fill="hold">
+                            <p:stCondLst>
+                              <p:cond delay="0"/>
+                            </p:stCondLst>
+                            <p:childTnLst>
+                              <p:par>
+                                <p:cTn id="17" presetID="1" presetClass="entr" presetSubtype="0" fill="hold" nodeType="clickEffect">
+                                  <p:stCondLst>
+                                    <p:cond delay="0"/>
+                                  </p:stCondLst>
+                                  <p:childTnLst>
+                                    <p:set>
+                                      <p:cBhvr>
+                                        <p:cTn id="18" dur="1" fill="hold">
+                                          <p:stCondLst>
+                                            <p:cond delay="0"/>
+                                          </p:stCondLst>
+                                        </p:cTn>
+                                        <p:tgtEl>
+                                          <p:spTgt spid="3">
+                                            <p:txEl>
+                                              <p:pRg st="3" end="3"/>
+                                            </p:txEl>
+                                          </p:spTgt>
+                                        </p:tgtEl>
+                                        <p:attrNameLst>
+                                          <p:attrName>style.visibility</p:attrName>
+                                        </p:attrNameLst>
+                                      </p:cBhvr>
+                                      <p:to>
+                                        <p:strVal val="visible"/>
+                                      </p:to>
+                                    </p:set>
+                                  </p:childTnLst>
+                                </p:cTn>
+                              </p:par>
+                            </p:childTnLst>
+                          </p:cTn>
+                        </p:par>
+                      </p:childTnLst>
+                    </p:cTn>
+                  </p:par>
+                  <p:par>
+                    <p:cTn id="19" fill="hold">
+                      <p:stCondLst>
+                        <p:cond delay="indefinite"/>
+                      </p:stCondLst>
+                      <p:childTnLst>
+                        <p:par>
+                          <p:cTn id="20" fill="hold">
+                            <p:stCondLst>
+                              <p:cond delay="0"/>
+                            </p:stCondLst>
+                            <p:childTnLst>
+                              <p:par>
+                                <p:cTn id="21" presetID="1" presetClass="entr" presetSubtype="0" fill="hold" nodeType="clickEffect">
+                                  <p:stCondLst>
+                                    <p:cond delay="0"/>
+                                  </p:stCondLst>
+                                  <p:childTnLst>
+                                    <p:set>
+                                      <p:cBhvr>
+                                        <p:cTn id="22" dur="1" fill="hold">
+                                          <p:stCondLst>
+                                            <p:cond delay="0"/>
+                                          </p:stCondLst>
+                                        </p:cTn>
+                                        <p:tgtEl>
+                                          <p:spTgt spid="3">
+                                            <p:txEl>
+                                              <p:pRg st="4" end="4"/>
+                                            </p:txEl>
+                                          </p:spTgt>
+                                        </p:tgtEl>
+                                        <p:attrNameLst>
+                                          <p:attrName>style.visibility</p:attrName>
+                                        </p:attrNameLst>
+                                      </p:cBhvr>
+                                      <p:to>
+                                        <p:strVal val="visible"/>
+                                      </p:to>
+                                    </p:set>
+                                  </p:childTnLst>
+                                </p:cTn>
+                              </p:par>
+                            </p:childTnLst>
+                          </p:cTn>
+                        </p:par>
+                      </p:childTnLst>
+                    </p:cTn>
+                  </p:par>
+                  <p:par>
+                    <p:cTn id="23" fill="hold">
+                      <p:stCondLst>
+                        <p:cond delay="indefinite"/>
+                      </p:stCondLst>
+                      <p:childTnLst>
+                        <p:par>
+                          <p:cTn id="24" fill="hold">
+                            <p:stCondLst>
+                              <p:cond delay="0"/>
+                            </p:stCondLst>
+                            <p:childTnLst>
+                              <p:par>
+                                <p:cTn id="25" presetID="1" presetClass="entr" presetSubtype="0" fill="hold" nodeType="clickEffect">
+                                  <p:stCondLst>
+                                    <p:cond delay="0"/>
+                                  </p:stCondLst>
+                                  <p:childTnLst>
+                                    <p:set>
+                                      <p:cBhvr>
+                                        <p:cTn id="26" dur="1" fill="hold">
+                                          <p:stCondLst>
+                                            <p:cond delay="0"/>
+                                          </p:stCondLst>
+                                        </p:cTn>
+                                        <p:tgtEl>
+                                          <p:spTgt spid="3">
+                                            <p:txEl>
+                                              <p:pRg st="5" end="5"/>
+                                            </p:txEl>
+                                          </p:spTgt>
+                                        </p:tgtEl>
+                                        <p:attrNameLst>
+                                          <p:attrName>style.visibility</p:attrName>
+                                        </p:attrNameLst>
+                                      </p:cBhvr>
+                                      <p:to>
+                                        <p:strVal val="visible"/>
+                                      </p:to>
+                                    </p:set>
+                                  </p:childTnLst>
+                                </p:cTn>
+                              </p:par>
+                              <p:par>
+                                <p:cTn id="27" presetID="1" presetClass="entr" presetSubtype="0" fill="hold" nodeType="withEffect">
+                                  <p:stCondLst>
+                                    <p:cond delay="0"/>
+                                  </p:stCondLst>
+                                  <p:childTnLst>
+                                    <p:set>
+                                      <p:cBhvr>
+                                        <p:cTn id="28" dur="1" fill="hold">
+                                          <p:stCondLst>
+                                            <p:cond delay="0"/>
+                                          </p:stCondLst>
+                                        </p:cTn>
+                                        <p:tgtEl>
+                                          <p:spTgt spid="3">
+                                            <p:txEl>
+                                              <p:pRg st="6" end="6"/>
+                                            </p:txEl>
+                                          </p:spTgt>
+                                        </p:tgtEl>
+                                        <p:attrNameLst>
+                                          <p:attrName>style.visibility</p:attrName>
+                                        </p:attrNameLst>
+                                      </p:cBhvr>
+                                      <p:to>
+                                        <p:strVal val="visible"/>
+                                      </p:to>
+                                    </p:set>
+                                  </p:childTnLst>
+                                </p:cTn>
+                              </p:par>
+                            </p:childTnLst>
+                          </p:cTn>
+                        </p:par>
+                      </p:childTnLst>
+                    </p:cTn>
+                  </p:par>
+                </p:childTnLst>
+              </p:cTn>
+              <p:prevCondLst>
+                <p:cond evt="onPrev" delay="0">
+                  <p:tgtEl>
+                    <p:sldTgt/>
+                  </p:tgtEl>
+                </p:cond>
+              </p:prevCondLst>
+              <p:nextCondLst>
+                <p:cond evt="onNext" delay="0">
+                  <p:tgtEl>
+                    <p:sldTgt/>
+                  </p:tgtEl>
+                </p:cond>
+              </p:nextCondLst>
+            </p:seq>
+          </p:childTnLst>
+        </p:cTn>
+      </p:par>
+    </p:tnLst>
+  </p:timing>
 </p:sld>
 </file>
 
@@ -41342,6 +41940,281 @@
   <p:clrMapOvr>
     <a:masterClrMapping/>
   </p:clrMapOvr>
+  <p:timing>
+    <p:tnLst>
+      <p:par>
+        <p:cTn id="1" dur="indefinite" restart="never" nodeType="tmRoot">
+          <p:childTnLst>
+            <p:seq concurrent="1" nextAc="seek">
+              <p:cTn id="2" dur="indefinite" nodeType="mainSeq">
+                <p:childTnLst>
+                  <p:par>
+                    <p:cTn id="3" fill="hold">
+                      <p:stCondLst>
+                        <p:cond delay="indefinite"/>
+                      </p:stCondLst>
+                      <p:childTnLst>
+                        <p:par>
+                          <p:cTn id="4" fill="hold">
+                            <p:stCondLst>
+                              <p:cond delay="0"/>
+                            </p:stCondLst>
+                            <p:childTnLst>
+                              <p:par>
+                                <p:cTn id="5" presetID="1" presetClass="entr" presetSubtype="0" fill="hold" nodeType="clickEffect">
+                                  <p:stCondLst>
+                                    <p:cond delay="0"/>
+                                  </p:stCondLst>
+                                  <p:childTnLst>
+                                    <p:set>
+                                      <p:cBhvr>
+                                        <p:cTn id="6" dur="1" fill="hold">
+                                          <p:stCondLst>
+                                            <p:cond delay="0"/>
+                                          </p:stCondLst>
+                                        </p:cTn>
+                                        <p:tgtEl>
+                                          <p:spTgt spid="3">
+                                            <p:txEl>
+                                              <p:pRg st="0" end="0"/>
+                                            </p:txEl>
+                                          </p:spTgt>
+                                        </p:tgtEl>
+                                        <p:attrNameLst>
+                                          <p:attrName>style.visibility</p:attrName>
+                                        </p:attrNameLst>
+                                      </p:cBhvr>
+                                      <p:to>
+                                        <p:strVal val="visible"/>
+                                      </p:to>
+                                    </p:set>
+                                  </p:childTnLst>
+                                </p:cTn>
+                              </p:par>
+                            </p:childTnLst>
+                          </p:cTn>
+                        </p:par>
+                      </p:childTnLst>
+                    </p:cTn>
+                  </p:par>
+                  <p:par>
+                    <p:cTn id="7" fill="hold">
+                      <p:stCondLst>
+                        <p:cond delay="indefinite"/>
+                      </p:stCondLst>
+                      <p:childTnLst>
+                        <p:par>
+                          <p:cTn id="8" fill="hold">
+                            <p:stCondLst>
+                              <p:cond delay="0"/>
+                            </p:stCondLst>
+                            <p:childTnLst>
+                              <p:par>
+                                <p:cTn id="9" presetID="1" presetClass="entr" presetSubtype="0" fill="hold" nodeType="clickEffect">
+                                  <p:stCondLst>
+                                    <p:cond delay="0"/>
+                                  </p:stCondLst>
+                                  <p:childTnLst>
+                                    <p:set>
+                                      <p:cBhvr>
+                                        <p:cTn id="10" dur="1" fill="hold">
+                                          <p:stCondLst>
+                                            <p:cond delay="0"/>
+                                          </p:stCondLst>
+                                        </p:cTn>
+                                        <p:tgtEl>
+                                          <p:spTgt spid="3">
+                                            <p:txEl>
+                                              <p:pRg st="1" end="1"/>
+                                            </p:txEl>
+                                          </p:spTgt>
+                                        </p:tgtEl>
+                                        <p:attrNameLst>
+                                          <p:attrName>style.visibility</p:attrName>
+                                        </p:attrNameLst>
+                                      </p:cBhvr>
+                                      <p:to>
+                                        <p:strVal val="visible"/>
+                                      </p:to>
+                                    </p:set>
+                                  </p:childTnLst>
+                                </p:cTn>
+                              </p:par>
+                            </p:childTnLst>
+                          </p:cTn>
+                        </p:par>
+                      </p:childTnLst>
+                    </p:cTn>
+                  </p:par>
+                  <p:par>
+                    <p:cTn id="11" fill="hold">
+                      <p:stCondLst>
+                        <p:cond delay="indefinite"/>
+                      </p:stCondLst>
+                      <p:childTnLst>
+                        <p:par>
+                          <p:cTn id="12" fill="hold">
+                            <p:stCondLst>
+                              <p:cond delay="0"/>
+                            </p:stCondLst>
+                            <p:childTnLst>
+                              <p:par>
+                                <p:cTn id="13" presetID="1" presetClass="entr" presetSubtype="0" fill="hold" nodeType="clickEffect">
+                                  <p:stCondLst>
+                                    <p:cond delay="0"/>
+                                  </p:stCondLst>
+                                  <p:childTnLst>
+                                    <p:set>
+                                      <p:cBhvr>
+                                        <p:cTn id="14" dur="1" fill="hold">
+                                          <p:stCondLst>
+                                            <p:cond delay="0"/>
+                                          </p:stCondLst>
+                                        </p:cTn>
+                                        <p:tgtEl>
+                                          <p:spTgt spid="3">
+                                            <p:txEl>
+                                              <p:pRg st="2" end="2"/>
+                                            </p:txEl>
+                                          </p:spTgt>
+                                        </p:tgtEl>
+                                        <p:attrNameLst>
+                                          <p:attrName>style.visibility</p:attrName>
+                                        </p:attrNameLst>
+                                      </p:cBhvr>
+                                      <p:to>
+                                        <p:strVal val="visible"/>
+                                      </p:to>
+                                    </p:set>
+                                  </p:childTnLst>
+                                </p:cTn>
+                              </p:par>
+                            </p:childTnLst>
+                          </p:cTn>
+                        </p:par>
+                      </p:childTnLst>
+                    </p:cTn>
+                  </p:par>
+                  <p:par>
+                    <p:cTn id="15" fill="hold">
+                      <p:stCondLst>
+                        <p:cond delay="indefinite"/>
+                      </p:stCondLst>
+                      <p:childTnLst>
+                        <p:par>
+                          <p:cTn id="16" fill="hold">
+                            <p:stCondLst>
+                              <p:cond delay="0"/>
+                            </p:stCondLst>
+                            <p:childTnLst>
+                              <p:par>
+                                <p:cTn id="17" presetID="1" presetClass="entr" presetSubtype="0" fill="hold" nodeType="clickEffect">
+                                  <p:stCondLst>
+                                    <p:cond delay="0"/>
+                                  </p:stCondLst>
+                                  <p:childTnLst>
+                                    <p:set>
+                                      <p:cBhvr>
+                                        <p:cTn id="18" dur="1" fill="hold">
+                                          <p:stCondLst>
+                                            <p:cond delay="0"/>
+                                          </p:stCondLst>
+                                        </p:cTn>
+                                        <p:tgtEl>
+                                          <p:spTgt spid="3">
+                                            <p:txEl>
+                                              <p:pRg st="3" end="3"/>
+                                            </p:txEl>
+                                          </p:spTgt>
+                                        </p:tgtEl>
+                                        <p:attrNameLst>
+                                          <p:attrName>style.visibility</p:attrName>
+                                        </p:attrNameLst>
+                                      </p:cBhvr>
+                                      <p:to>
+                                        <p:strVal val="visible"/>
+                                      </p:to>
+                                    </p:set>
+                                  </p:childTnLst>
+                                </p:cTn>
+                              </p:par>
+                            </p:childTnLst>
+                          </p:cTn>
+                        </p:par>
+                      </p:childTnLst>
+                    </p:cTn>
+                  </p:par>
+                  <p:par>
+                    <p:cTn id="19" fill="hold">
+                      <p:stCondLst>
+                        <p:cond delay="indefinite"/>
+                      </p:stCondLst>
+                      <p:childTnLst>
+                        <p:par>
+                          <p:cTn id="20" fill="hold">
+                            <p:stCondLst>
+                              <p:cond delay="0"/>
+                            </p:stCondLst>
+                            <p:childTnLst>
+                              <p:par>
+                                <p:cTn id="21" presetID="1" presetClass="entr" presetSubtype="0" fill="hold" nodeType="clickEffect">
+                                  <p:stCondLst>
+                                    <p:cond delay="0"/>
+                                  </p:stCondLst>
+                                  <p:childTnLst>
+                                    <p:set>
+                                      <p:cBhvr>
+                                        <p:cTn id="22" dur="1" fill="hold">
+                                          <p:stCondLst>
+                                            <p:cond delay="0"/>
+                                          </p:stCondLst>
+                                        </p:cTn>
+                                        <p:tgtEl>
+                                          <p:spTgt spid="3">
+                                            <p:txEl>
+                                              <p:pRg st="4" end="4"/>
+                                            </p:txEl>
+                                          </p:spTgt>
+                                        </p:tgtEl>
+                                        <p:attrNameLst>
+                                          <p:attrName>style.visibility</p:attrName>
+                                        </p:attrNameLst>
+                                      </p:cBhvr>
+                                      <p:to>
+                                        <p:strVal val="visible"/>
+                                      </p:to>
+                                    </p:set>
+                                  </p:childTnLst>
+                                </p:cTn>
+                              </p:par>
+                            </p:childTnLst>
+                          </p:cTn>
+                        </p:par>
+                      </p:childTnLst>
+                    </p:cTn>
+                  </p:par>
+                </p:childTnLst>
+              </p:cTn>
+              <p:prevCondLst>
+                <p:cond evt="onPrev" delay="0">
+                  <p:tgtEl>
+                    <p:sldTgt/>
+                  </p:tgtEl>
+                </p:cond>
+              </p:prevCondLst>
+              <p:nextCondLst>
+                <p:cond evt="onNext" delay="0">
+                  <p:tgtEl>
+                    <p:sldTgt/>
+                  </p:tgtEl>
+                </p:cond>
+              </p:nextCondLst>
+            </p:seq>
+          </p:childTnLst>
+        </p:cTn>
+      </p:par>
+    </p:tnLst>
+  </p:timing>
 </p:sld>
 </file>
 
@@ -42636,6 +43509,134 @@
   <p:clrMapOvr>
     <a:masterClrMapping/>
   </p:clrMapOvr>
+  <p:timing>
+    <p:tnLst>
+      <p:par>
+        <p:cTn id="1" dur="indefinite" restart="never" nodeType="tmRoot">
+          <p:childTnLst>
+            <p:seq concurrent="1" nextAc="seek">
+              <p:cTn id="2" dur="indefinite" nodeType="mainSeq">
+                <p:childTnLst>
+                  <p:par>
+                    <p:cTn id="3" fill="hold">
+                      <p:stCondLst>
+                        <p:cond delay="indefinite"/>
+                      </p:stCondLst>
+                      <p:childTnLst>
+                        <p:par>
+                          <p:cTn id="4" fill="hold">
+                            <p:stCondLst>
+                              <p:cond delay="0"/>
+                            </p:stCondLst>
+                            <p:childTnLst>
+                              <p:par>
+                                <p:cTn id="5" presetID="1" presetClass="entr" presetSubtype="0" fill="hold" nodeType="clickEffect">
+                                  <p:stCondLst>
+                                    <p:cond delay="0"/>
+                                  </p:stCondLst>
+                                  <p:childTnLst>
+                                    <p:set>
+                                      <p:cBhvr>
+                                        <p:cTn id="6" dur="1" fill="hold">
+                                          <p:stCondLst>
+                                            <p:cond delay="0"/>
+                                          </p:stCondLst>
+                                        </p:cTn>
+                                        <p:tgtEl>
+                                          <p:spTgt spid="3">
+                                            <p:txEl>
+                                              <p:pRg st="0" end="0"/>
+                                            </p:txEl>
+                                          </p:spTgt>
+                                        </p:tgtEl>
+                                        <p:attrNameLst>
+                                          <p:attrName>style.visibility</p:attrName>
+                                        </p:attrNameLst>
+                                      </p:cBhvr>
+                                      <p:to>
+                                        <p:strVal val="visible"/>
+                                      </p:to>
+                                    </p:set>
+                                  </p:childTnLst>
+                                </p:cTn>
+                              </p:par>
+                            </p:childTnLst>
+                          </p:cTn>
+                        </p:par>
+                      </p:childTnLst>
+                    </p:cTn>
+                  </p:par>
+                  <p:par>
+                    <p:cTn id="7" fill="hold">
+                      <p:stCondLst>
+                        <p:cond delay="indefinite"/>
+                      </p:stCondLst>
+                      <p:childTnLst>
+                        <p:par>
+                          <p:cTn id="8" fill="hold">
+                            <p:stCondLst>
+                              <p:cond delay="0"/>
+                            </p:stCondLst>
+                            <p:childTnLst>
+                              <p:par>
+                                <p:cTn id="9" presetID="1" presetClass="entr" presetSubtype="0" fill="hold" nodeType="clickEffect">
+                                  <p:stCondLst>
+                                    <p:cond delay="0"/>
+                                  </p:stCondLst>
+                                  <p:childTnLst>
+                                    <p:set>
+                                      <p:cBhvr>
+                                        <p:cTn id="10" dur="1" fill="hold">
+                                          <p:stCondLst>
+                                            <p:cond delay="0"/>
+                                          </p:stCondLst>
+                                        </p:cTn>
+                                        <p:tgtEl>
+                                          <p:spTgt spid="3">
+                                            <p:txEl>
+                                              <p:pRg st="1" end="1"/>
+                                            </p:txEl>
+                                          </p:spTgt>
+                                        </p:tgtEl>
+                                        <p:attrNameLst>
+                                          <p:attrName>style.visibility</p:attrName>
+                                        </p:attrNameLst>
+                                      </p:cBhvr>
+                                      <p:to>
+                                        <p:strVal val="visible"/>
+                                      </p:to>
+                                    </p:set>
+                                  </p:childTnLst>
+                                </p:cTn>
+                              </p:par>
+                            </p:childTnLst>
+                          </p:cTn>
+                        </p:par>
+                      </p:childTnLst>
+                    </p:cTn>
+                  </p:par>
+                </p:childTnLst>
+              </p:cTn>
+              <p:prevCondLst>
+                <p:cond evt="onPrev" delay="0">
+                  <p:tgtEl>
+                    <p:sldTgt/>
+                  </p:tgtEl>
+                </p:cond>
+              </p:prevCondLst>
+              <p:nextCondLst>
+                <p:cond evt="onNext" delay="0">
+                  <p:tgtEl>
+                    <p:sldTgt/>
+                  </p:tgtEl>
+                </p:cond>
+              </p:nextCondLst>
+            </p:seq>
+          </p:childTnLst>
+        </p:cTn>
+      </p:par>
+    </p:tnLst>
+  </p:timing>
 </p:sld>
 </file>
 
@@ -42772,6 +43773,232 @@
   <p:clrMapOvr>
     <a:masterClrMapping/>
   </p:clrMapOvr>
+  <p:timing>
+    <p:tnLst>
+      <p:par>
+        <p:cTn id="1" dur="indefinite" restart="never" nodeType="tmRoot">
+          <p:childTnLst>
+            <p:seq concurrent="1" nextAc="seek">
+              <p:cTn id="2" dur="indefinite" nodeType="mainSeq">
+                <p:childTnLst>
+                  <p:par>
+                    <p:cTn id="3" fill="hold">
+                      <p:stCondLst>
+                        <p:cond delay="indefinite"/>
+                      </p:stCondLst>
+                      <p:childTnLst>
+                        <p:par>
+                          <p:cTn id="4" fill="hold">
+                            <p:stCondLst>
+                              <p:cond delay="0"/>
+                            </p:stCondLst>
+                            <p:childTnLst>
+                              <p:par>
+                                <p:cTn id="5" presetID="1" presetClass="entr" presetSubtype="0" fill="hold" nodeType="clickEffect">
+                                  <p:stCondLst>
+                                    <p:cond delay="0"/>
+                                  </p:stCondLst>
+                                  <p:childTnLst>
+                                    <p:set>
+                                      <p:cBhvr>
+                                        <p:cTn id="6" dur="1" fill="hold">
+                                          <p:stCondLst>
+                                            <p:cond delay="0"/>
+                                          </p:stCondLst>
+                                        </p:cTn>
+                                        <p:tgtEl>
+                                          <p:spTgt spid="3">
+                                            <p:txEl>
+                                              <p:pRg st="0" end="0"/>
+                                            </p:txEl>
+                                          </p:spTgt>
+                                        </p:tgtEl>
+                                        <p:attrNameLst>
+                                          <p:attrName>style.visibility</p:attrName>
+                                        </p:attrNameLst>
+                                      </p:cBhvr>
+                                      <p:to>
+                                        <p:strVal val="visible"/>
+                                      </p:to>
+                                    </p:set>
+                                  </p:childTnLst>
+                                </p:cTn>
+                              </p:par>
+                            </p:childTnLst>
+                          </p:cTn>
+                        </p:par>
+                      </p:childTnLst>
+                    </p:cTn>
+                  </p:par>
+                  <p:par>
+                    <p:cTn id="7" fill="hold">
+                      <p:stCondLst>
+                        <p:cond delay="indefinite"/>
+                      </p:stCondLst>
+                      <p:childTnLst>
+                        <p:par>
+                          <p:cTn id="8" fill="hold">
+                            <p:stCondLst>
+                              <p:cond delay="0"/>
+                            </p:stCondLst>
+                            <p:childTnLst>
+                              <p:par>
+                                <p:cTn id="9" presetID="1" presetClass="entr" presetSubtype="0" fill="hold" nodeType="clickEffect">
+                                  <p:stCondLst>
+                                    <p:cond delay="0"/>
+                                  </p:stCondLst>
+                                  <p:childTnLst>
+                                    <p:set>
+                                      <p:cBhvr>
+                                        <p:cTn id="10" dur="1" fill="hold">
+                                          <p:stCondLst>
+                                            <p:cond delay="0"/>
+                                          </p:stCondLst>
+                                        </p:cTn>
+                                        <p:tgtEl>
+                                          <p:spTgt spid="3">
+                                            <p:txEl>
+                                              <p:pRg st="1" end="1"/>
+                                            </p:txEl>
+                                          </p:spTgt>
+                                        </p:tgtEl>
+                                        <p:attrNameLst>
+                                          <p:attrName>style.visibility</p:attrName>
+                                        </p:attrNameLst>
+                                      </p:cBhvr>
+                                      <p:to>
+                                        <p:strVal val="visible"/>
+                                      </p:to>
+                                    </p:set>
+                                  </p:childTnLst>
+                                </p:cTn>
+                              </p:par>
+                            </p:childTnLst>
+                          </p:cTn>
+                        </p:par>
+                      </p:childTnLst>
+                    </p:cTn>
+                  </p:par>
+                  <p:par>
+                    <p:cTn id="11" fill="hold">
+                      <p:stCondLst>
+                        <p:cond delay="indefinite"/>
+                      </p:stCondLst>
+                      <p:childTnLst>
+                        <p:par>
+                          <p:cTn id="12" fill="hold">
+                            <p:stCondLst>
+                              <p:cond delay="0"/>
+                            </p:stCondLst>
+                            <p:childTnLst>
+                              <p:par>
+                                <p:cTn id="13" presetID="1" presetClass="entr" presetSubtype="0" fill="hold" nodeType="clickEffect">
+                                  <p:stCondLst>
+                                    <p:cond delay="0"/>
+                                  </p:stCondLst>
+                                  <p:childTnLst>
+                                    <p:set>
+                                      <p:cBhvr>
+                                        <p:cTn id="14" dur="1" fill="hold">
+                                          <p:stCondLst>
+                                            <p:cond delay="0"/>
+                                          </p:stCondLst>
+                                        </p:cTn>
+                                        <p:tgtEl>
+                                          <p:spTgt spid="3">
+                                            <p:txEl>
+                                              <p:pRg st="2" end="2"/>
+                                            </p:txEl>
+                                          </p:spTgt>
+                                        </p:tgtEl>
+                                        <p:attrNameLst>
+                                          <p:attrName>style.visibility</p:attrName>
+                                        </p:attrNameLst>
+                                      </p:cBhvr>
+                                      <p:to>
+                                        <p:strVal val="visible"/>
+                                      </p:to>
+                                    </p:set>
+                                  </p:childTnLst>
+                                </p:cTn>
+                              </p:par>
+                            </p:childTnLst>
+                          </p:cTn>
+                        </p:par>
+                      </p:childTnLst>
+                    </p:cTn>
+                  </p:par>
+                  <p:par>
+                    <p:cTn id="15" fill="hold">
+                      <p:stCondLst>
+                        <p:cond delay="indefinite"/>
+                      </p:stCondLst>
+                      <p:childTnLst>
+                        <p:par>
+                          <p:cTn id="16" fill="hold">
+                            <p:stCondLst>
+                              <p:cond delay="0"/>
+                            </p:stCondLst>
+                            <p:childTnLst>
+                              <p:par>
+                                <p:cTn id="17" presetID="1" presetClass="entr" presetSubtype="0" fill="hold" nodeType="clickEffect">
+                                  <p:stCondLst>
+                                    <p:cond delay="0"/>
+                                  </p:stCondLst>
+                                  <p:childTnLst>
+                                    <p:set>
+                                      <p:cBhvr>
+                                        <p:cTn id="18" dur="1" fill="hold">
+                                          <p:stCondLst>
+                                            <p:cond delay="0"/>
+                                          </p:stCondLst>
+                                        </p:cTn>
+                                        <p:tgtEl>
+                                          <p:spTgt spid="3">
+                                            <p:txEl>
+                                              <p:pRg st="3" end="3"/>
+                                            </p:txEl>
+                                          </p:spTgt>
+                                        </p:tgtEl>
+                                        <p:attrNameLst>
+                                          <p:attrName>style.visibility</p:attrName>
+                                        </p:attrNameLst>
+                                      </p:cBhvr>
+                                      <p:to>
+                                        <p:strVal val="visible"/>
+                                      </p:to>
+                                    </p:set>
+                                  </p:childTnLst>
+                                </p:cTn>
+                              </p:par>
+                            </p:childTnLst>
+                          </p:cTn>
+                        </p:par>
+                      </p:childTnLst>
+                    </p:cTn>
+                  </p:par>
+                </p:childTnLst>
+              </p:cTn>
+              <p:prevCondLst>
+                <p:cond evt="onPrev" delay="0">
+                  <p:tgtEl>
+                    <p:sldTgt/>
+                  </p:tgtEl>
+                </p:cond>
+              </p:prevCondLst>
+              <p:nextCondLst>
+                <p:cond evt="onNext" delay="0">
+                  <p:tgtEl>
+                    <p:sldTgt/>
+                  </p:tgtEl>
+                </p:cond>
+              </p:nextCondLst>
+            </p:seq>
+          </p:childTnLst>
+        </p:cTn>
+      </p:par>
+    </p:tnLst>
+  </p:timing>
 </p:sld>
 </file>
 
@@ -43179,7 +44406,7 @@
             <a:pPr algn="ctr"/>
             <a:r>
               <a:rPr lang="en-US" sz="2800" dirty="0"/>
-              <a:t>Exercise &lt; 21 mins</a:t>
+              <a:t>Exercise &lt; 11 mins</a:t>
             </a:r>
           </a:p>
         </p:txBody>
@@ -44106,7 +45333,7 @@
           <a:p>
             <a:r>
               <a:rPr lang="en-US" dirty="0"/>
-              <a:t> Also notice that tree tree asks about </a:t>
+              <a:t> Also notice that tree asks about </a:t>
             </a:r>
             <a:r>
               <a:rPr lang="en-US" b="1" dirty="0"/>
@@ -44395,7 +45622,7 @@
             <a:pPr algn="ctr"/>
             <a:r>
               <a:rPr lang="en-US" sz="2800" dirty="0"/>
-              <a:t>Exercise &lt; 21 mins</a:t>
+              <a:t>Exercise &lt; 11 mins</a:t>
             </a:r>
           </a:p>
         </p:txBody>
